--- a/ITS_Workflow_ReadMe.pptx
+++ b/ITS_Workflow_ReadMe.pptx
@@ -5105,7 +5105,7 @@
         <p:spPr>
           <a:xfrm>
             <a:off x="616039" y="1232602"/>
-            <a:ext cx="10959921" cy="5078313"/>
+            <a:ext cx="10959921" cy="5355312"/>
           </a:xfrm>
           <a:prstGeom prst="rect">
             <a:avLst/>
@@ -5391,7 +5391,31 @@
             </a:r>
             <a:r>
               <a:rPr lang="en-US" dirty="0"/>
-              <a:t>: </a:t>
+              <a:t>: https://</a:t>
+            </a:r>
+            <a:r>
+              <a:rPr lang="en-US" dirty="0" err="1"/>
+              <a:t>github.com</a:t>
+            </a:r>
+            <a:r>
+              <a:rPr lang="en-US" dirty="0"/>
+              <a:t>/</a:t>
+            </a:r>
+            <a:r>
+              <a:rPr lang="en-US" dirty="0" err="1"/>
+              <a:t>ShadeLab</a:t>
+            </a:r>
+            <a:r>
+              <a:rPr lang="en-US" dirty="0"/>
+              <a:t>/</a:t>
+            </a:r>
+            <a:r>
+              <a:rPr lang="en-US" dirty="0" err="1"/>
+              <a:t>ITS_Workflow</a:t>
+            </a:r>
+            <a:r>
+              <a:rPr lang="en-US" dirty="0"/>
+              <a:t>/blob/master/Workflow2_ITS1_OpenReferenceClust.md</a:t>
             </a:r>
           </a:p>
         </p:txBody>
@@ -7059,7 +7083,7 @@
         <p:spPr>
           <a:xfrm>
             <a:off x="616039" y="1232602"/>
-            <a:ext cx="10959921" cy="4801314"/>
+            <a:ext cx="10959921" cy="5078313"/>
           </a:xfrm>
           <a:prstGeom prst="rect">
             <a:avLst/>
@@ -7338,8 +7362,33 @@
             </a:r>
             <a:r>
               <a:rPr lang="en-US" dirty="0"/>
-              <a:t>: </a:t>
-            </a:r>
+              <a:t>: https://</a:t>
+            </a:r>
+            <a:r>
+              <a:rPr lang="en-US" dirty="0" err="1"/>
+              <a:t>github.com</a:t>
+            </a:r>
+            <a:r>
+              <a:rPr lang="en-US" dirty="0"/>
+              <a:t>/</a:t>
+            </a:r>
+            <a:r>
+              <a:rPr lang="en-US" dirty="0" err="1"/>
+              <a:t>ShadeLab</a:t>
+            </a:r>
+            <a:r>
+              <a:rPr lang="en-US" dirty="0"/>
+              <a:t>/</a:t>
+            </a:r>
+            <a:r>
+              <a:rPr lang="en-US" dirty="0" err="1"/>
+              <a:t>ITS_Workflow</a:t>
+            </a:r>
+            <a:r>
+              <a:rPr lang="en-US"/>
+              <a:t>/blob/master/Workflow3_ITS1_OpenRef.md</a:t>
+            </a:r>
+            <a:endParaRPr lang="en-US" dirty="0"/>
           </a:p>
         </p:txBody>
       </p:sp>
@@ -9228,7 +9277,7 @@
         <p:spPr>
           <a:xfrm>
             <a:off x="616039" y="1232602"/>
-            <a:ext cx="10959921" cy="5078313"/>
+            <a:ext cx="10959921" cy="5355312"/>
           </a:xfrm>
           <a:prstGeom prst="rect">
             <a:avLst/>
@@ -9483,7 +9532,31 @@
             </a:r>
             <a:r>
               <a:rPr lang="en-US" dirty="0"/>
-              <a:t>: </a:t>
+              <a:t>: https://</a:t>
+            </a:r>
+            <a:r>
+              <a:rPr lang="en-US" dirty="0" err="1"/>
+              <a:t>github.com</a:t>
+            </a:r>
+            <a:r>
+              <a:rPr lang="en-US" dirty="0"/>
+              <a:t>/</a:t>
+            </a:r>
+            <a:r>
+              <a:rPr lang="en-US" dirty="0" err="1"/>
+              <a:t>ShadeLab</a:t>
+            </a:r>
+            <a:r>
+              <a:rPr lang="en-US" dirty="0"/>
+              <a:t>/</a:t>
+            </a:r>
+            <a:r>
+              <a:rPr lang="en-US" dirty="0" err="1"/>
+              <a:t>ITS_Workflow</a:t>
+            </a:r>
+            <a:r>
+              <a:rPr lang="en-US" dirty="0"/>
+              <a:t>/blob/master/Workflow1_ITS1_denovoClust.md</a:t>
             </a:r>
           </a:p>
         </p:txBody>
